--- a/ハッカソン発表.pptx
+++ b/ハッカソン発表.pptx
@@ -5,7 +5,7 @@
     <p:sldMasterId id="2147483756" r:id="rId1"/>
   </p:sldMasterIdLst>
   <p:notesMasterIdLst>
-    <p:notesMasterId r:id="rId8"/>
+    <p:notesMasterId r:id="rId9"/>
   </p:notesMasterIdLst>
   <p:sldIdLst>
     <p:sldId id="257" r:id="rId2"/>
@@ -14,6 +14,7 @@
     <p:sldId id="260" r:id="rId5"/>
     <p:sldId id="259" r:id="rId6"/>
     <p:sldId id="262" r:id="rId7"/>
+    <p:sldId id="263" r:id="rId8"/>
   </p:sldIdLst>
   <p:sldSz cx="9144000" cy="6858000" type="screen4x3"/>
   <p:notesSz cx="6858000" cy="9144000"/>
@@ -213,7 +214,7 @@
           <a:p>
             <a:fld id="{5F88AFAA-731E-4FDD-87C3-3E0BF92BE921}" type="datetimeFigureOut">
               <a:rPr kumimoji="1" lang="ja-JP" altLang="en-US" smtClean="0"/>
-              <a:t>2016/11/12</a:t>
+              <a:t>2016/11/13</a:t>
             </a:fld>
             <a:endParaRPr kumimoji="1" lang="ja-JP" altLang="en-US"/>
           </a:p>
@@ -513,6 +514,248 @@
 </p:notesMaster>
 </file>
 
+<file path=ppt/notesSlides/notesSlide1.xml><?xml version="1.0" encoding="utf-8"?>
+<p:notes xmlns:a="http://schemas.openxmlformats.org/drawingml/2006/main" xmlns:r="http://schemas.openxmlformats.org/officeDocument/2006/relationships" xmlns:p="http://schemas.openxmlformats.org/presentationml/2006/main">
+  <p:cSld>
+    <p:spTree>
+      <p:nvGrpSpPr>
+        <p:cNvPr id="1" name=""/>
+        <p:cNvGrpSpPr/>
+        <p:nvPr/>
+      </p:nvGrpSpPr>
+      <p:grpSpPr>
+        <a:xfrm>
+          <a:off x="0" y="0"/>
+          <a:ext cx="0" cy="0"/>
+          <a:chOff x="0" y="0"/>
+          <a:chExt cx="0" cy="0"/>
+        </a:xfrm>
+      </p:grpSpPr>
+      <p:sp>
+        <p:nvSpPr>
+          <p:cNvPr id="2" name="スライド イメージ プレースホルダー 1"/>
+          <p:cNvSpPr>
+            <a:spLocks noGrp="1" noRot="1" noChangeAspect="1"/>
+          </p:cNvSpPr>
+          <p:nvPr>
+            <p:ph type="sldImg"/>
+          </p:nvPr>
+        </p:nvSpPr>
+        <p:spPr/>
+      </p:sp>
+      <p:sp>
+        <p:nvSpPr>
+          <p:cNvPr id="3" name="ノート プレースホルダー 2"/>
+          <p:cNvSpPr>
+            <a:spLocks noGrp="1"/>
+          </p:cNvSpPr>
+          <p:nvPr>
+            <p:ph type="body" idx="1"/>
+          </p:nvPr>
+        </p:nvSpPr>
+        <p:spPr/>
+        <p:txBody>
+          <a:bodyPr/>
+          <a:lstStyle/>
+          <a:p>
+            <a:r>
+              <a:rPr kumimoji="1" lang="ja-JP" altLang="en-US" dirty="0" smtClean="0"/>
+              <a:t>平常時における管理できる範囲での、一般の人の年間積算線量</a:t>
+            </a:r>
+            <a:r>
+              <a:rPr kumimoji="1" lang="en-US" altLang="ja-JP" dirty="0" smtClean="0"/>
+              <a:t>1m</a:t>
+            </a:r>
+          </a:p>
+          <a:p>
+            <a:r>
+              <a:rPr kumimoji="1" lang="ja-JP" altLang="en-US" dirty="0" smtClean="0"/>
+              <a:t>毎時に計算すると毎時</a:t>
+            </a:r>
+            <a:r>
+              <a:rPr kumimoji="1" lang="en-US" altLang="ja-JP" dirty="0" smtClean="0"/>
+              <a:t>0.23</a:t>
+            </a:r>
+            <a:r>
+              <a:rPr kumimoji="1" lang="ja-JP" altLang="en-US" dirty="0" smtClean="0"/>
+              <a:t>マイクロシーベルト</a:t>
+            </a:r>
+            <a:endParaRPr kumimoji="1" lang="en-US" altLang="ja-JP" dirty="0" smtClean="0"/>
+          </a:p>
+          <a:p>
+            <a:r>
+              <a:rPr kumimoji="1" lang="ja-JP" altLang="en-US" dirty="0" smtClean="0"/>
+              <a:t>上がまずい、</a:t>
+            </a:r>
+            <a:r>
+              <a:rPr kumimoji="1" lang="en-US" altLang="ja-JP" dirty="0" smtClean="0"/>
+              <a:t>0.19</a:t>
+            </a:r>
+            <a:r>
+              <a:rPr kumimoji="1" lang="ja-JP" altLang="en-US" dirty="0" smtClean="0"/>
+              <a:t>中間</a:t>
+            </a:r>
+            <a:endParaRPr kumimoji="1" lang="en-US" altLang="ja-JP" dirty="0" smtClean="0"/>
+          </a:p>
+          <a:p>
+            <a:r>
+              <a:rPr kumimoji="1" lang="ja-JP" altLang="en-US" dirty="0" smtClean="0"/>
+              <a:t>それ以下が良い</a:t>
+            </a:r>
+            <a:endParaRPr kumimoji="1" lang="ja-JP" altLang="en-US" dirty="0"/>
+          </a:p>
+        </p:txBody>
+      </p:sp>
+      <p:sp>
+        <p:nvSpPr>
+          <p:cNvPr id="4" name="スライド番号プレースホルダー 3"/>
+          <p:cNvSpPr>
+            <a:spLocks noGrp="1"/>
+          </p:cNvSpPr>
+          <p:nvPr>
+            <p:ph type="sldNum" sz="quarter" idx="10"/>
+          </p:nvPr>
+        </p:nvSpPr>
+        <p:spPr/>
+        <p:txBody>
+          <a:bodyPr/>
+          <a:lstStyle/>
+          <a:p>
+            <a:fld id="{A3ACE704-40BF-43C4-BADB-883794AA4846}" type="slidenum">
+              <a:rPr kumimoji="1" lang="ja-JP" altLang="en-US" smtClean="0"/>
+              <a:t>3</a:t>
+            </a:fld>
+            <a:endParaRPr kumimoji="1" lang="ja-JP" altLang="en-US"/>
+          </a:p>
+        </p:txBody>
+      </p:sp>
+    </p:spTree>
+    <p:extLst>
+      <p:ext uri="{BB962C8B-B14F-4D97-AF65-F5344CB8AC3E}">
+        <p14:creationId xmlns:p14="http://schemas.microsoft.com/office/powerpoint/2010/main" val="261785945"/>
+      </p:ext>
+    </p:extLst>
+  </p:cSld>
+  <p:clrMapOvr>
+    <a:masterClrMapping/>
+  </p:clrMapOvr>
+</p:notes>
+</file>
+
+<file path=ppt/notesSlides/notesSlide2.xml><?xml version="1.0" encoding="utf-8"?>
+<p:notes xmlns:a="http://schemas.openxmlformats.org/drawingml/2006/main" xmlns:r="http://schemas.openxmlformats.org/officeDocument/2006/relationships" xmlns:p="http://schemas.openxmlformats.org/presentationml/2006/main">
+  <p:cSld>
+    <p:spTree>
+      <p:nvGrpSpPr>
+        <p:cNvPr id="1" name=""/>
+        <p:cNvGrpSpPr/>
+        <p:nvPr/>
+      </p:nvGrpSpPr>
+      <p:grpSpPr>
+        <a:xfrm>
+          <a:off x="0" y="0"/>
+          <a:ext cx="0" cy="0"/>
+          <a:chOff x="0" y="0"/>
+          <a:chExt cx="0" cy="0"/>
+        </a:xfrm>
+      </p:grpSpPr>
+      <p:sp>
+        <p:nvSpPr>
+          <p:cNvPr id="2" name="スライド イメージ プレースホルダー 1"/>
+          <p:cNvSpPr>
+            <a:spLocks noGrp="1" noRot="1" noChangeAspect="1"/>
+          </p:cNvSpPr>
+          <p:nvPr>
+            <p:ph type="sldImg"/>
+          </p:nvPr>
+        </p:nvSpPr>
+        <p:spPr/>
+      </p:sp>
+      <p:sp>
+        <p:nvSpPr>
+          <p:cNvPr id="3" name="ノート プレースホルダー 2"/>
+          <p:cNvSpPr>
+            <a:spLocks noGrp="1"/>
+          </p:cNvSpPr>
+          <p:nvPr>
+            <p:ph type="body" idx="1"/>
+          </p:nvPr>
+        </p:nvSpPr>
+        <p:spPr/>
+        <p:txBody>
+          <a:bodyPr/>
+          <a:lstStyle/>
+          <a:p>
+            <a:r>
+              <a:rPr kumimoji="1" lang="ja-JP" altLang="en-US" dirty="0" smtClean="0"/>
+              <a:t>イベント会場のピンポイントの線量はない</a:t>
+            </a:r>
+            <a:endParaRPr kumimoji="1" lang="en-US" altLang="ja-JP" dirty="0" smtClean="0"/>
+          </a:p>
+          <a:p>
+            <a:r>
+              <a:rPr kumimoji="1" lang="ja-JP" altLang="en-US" dirty="0" smtClean="0"/>
+              <a:t>登録されているイベント会場</a:t>
+            </a:r>
+            <a:r>
+              <a:rPr kumimoji="1" lang="en-US" altLang="ja-JP" dirty="0" smtClean="0"/>
+              <a:t>(</a:t>
+            </a:r>
+            <a:r>
+              <a:rPr kumimoji="1" lang="ja-JP" altLang="en-US" dirty="0" smtClean="0"/>
+              <a:t>緯度、経度）から一番近いポイントから表示している</a:t>
+            </a:r>
+            <a:endParaRPr kumimoji="1" lang="en-US" altLang="ja-JP" dirty="0" smtClean="0"/>
+          </a:p>
+          <a:p>
+            <a:r>
+              <a:rPr kumimoji="1" lang="en-US" altLang="ja-JP" dirty="0" smtClean="0"/>
+              <a:t>Csv</a:t>
+            </a:r>
+            <a:r>
+              <a:rPr kumimoji="1" lang="ja-JP" altLang="en-US" dirty="0" smtClean="0"/>
+              <a:t>を手動で最新のものに更新しないと、更新できない</a:t>
+            </a:r>
+            <a:endParaRPr kumimoji="1" lang="ja-JP" altLang="en-US" dirty="0"/>
+          </a:p>
+        </p:txBody>
+      </p:sp>
+      <p:sp>
+        <p:nvSpPr>
+          <p:cNvPr id="4" name="スライド番号プレースホルダー 3"/>
+          <p:cNvSpPr>
+            <a:spLocks noGrp="1"/>
+          </p:cNvSpPr>
+          <p:nvPr>
+            <p:ph type="sldNum" sz="quarter" idx="10"/>
+          </p:nvPr>
+        </p:nvSpPr>
+        <p:spPr/>
+        <p:txBody>
+          <a:bodyPr/>
+          <a:lstStyle/>
+          <a:p>
+            <a:fld id="{A3ACE704-40BF-43C4-BADB-883794AA4846}" type="slidenum">
+              <a:rPr kumimoji="1" lang="ja-JP" altLang="en-US" smtClean="0"/>
+              <a:t>7</a:t>
+            </a:fld>
+            <a:endParaRPr kumimoji="1" lang="ja-JP" altLang="en-US"/>
+          </a:p>
+        </p:txBody>
+      </p:sp>
+    </p:spTree>
+    <p:extLst>
+      <p:ext uri="{BB962C8B-B14F-4D97-AF65-F5344CB8AC3E}">
+        <p14:creationId xmlns:p14="http://schemas.microsoft.com/office/powerpoint/2010/main" val="165287579"/>
+      </p:ext>
+    </p:extLst>
+  </p:cSld>
+  <p:clrMapOvr>
+    <a:masterClrMapping/>
+  </p:clrMapOvr>
+</p:notes>
+</file>
+
 <file path=ppt/slideLayouts/slideLayout1.xml><?xml version="1.0" encoding="utf-8"?>
 <p:sldLayout xmlns:a="http://schemas.openxmlformats.org/drawingml/2006/main" xmlns:r="http://schemas.openxmlformats.org/officeDocument/2006/relationships" xmlns:p="http://schemas.openxmlformats.org/presentationml/2006/main" type="title" preserve="1">
   <p:cSld name="タイトル スライド">
@@ -701,7 +944,7 @@
           <a:p>
             <a:fld id="{5267B7B4-670A-4C51-BB37-0460E32ED6FD}" type="datetimeFigureOut">
               <a:rPr kumimoji="1" lang="ja-JP" altLang="en-US" smtClean="0"/>
-              <a:t>2016/11/12</a:t>
+              <a:t>2016/11/13</a:t>
             </a:fld>
             <a:endParaRPr kumimoji="1" lang="ja-JP" altLang="en-US"/>
           </a:p>
@@ -933,7 +1176,7 @@
           <a:p>
             <a:fld id="{5267B7B4-670A-4C51-BB37-0460E32ED6FD}" type="datetimeFigureOut">
               <a:rPr kumimoji="1" lang="ja-JP" altLang="en-US" smtClean="0"/>
-              <a:t>2016/11/12</a:t>
+              <a:t>2016/11/13</a:t>
             </a:fld>
             <a:endParaRPr kumimoji="1" lang="ja-JP" altLang="en-US"/>
           </a:p>
@@ -1140,7 +1383,7 @@
           <a:p>
             <a:fld id="{5267B7B4-670A-4C51-BB37-0460E32ED6FD}" type="datetimeFigureOut">
               <a:rPr kumimoji="1" lang="ja-JP" altLang="en-US" smtClean="0"/>
-              <a:t>2016/11/12</a:t>
+              <a:t>2016/11/13</a:t>
             </a:fld>
             <a:endParaRPr kumimoji="1" lang="ja-JP" altLang="en-US"/>
           </a:p>
@@ -1337,7 +1580,7 @@
           <a:p>
             <a:fld id="{5267B7B4-670A-4C51-BB37-0460E32ED6FD}" type="datetimeFigureOut">
               <a:rPr kumimoji="1" lang="ja-JP" altLang="en-US" smtClean="0"/>
-              <a:t>2016/11/12</a:t>
+              <a:t>2016/11/13</a:t>
             </a:fld>
             <a:endParaRPr kumimoji="1" lang="ja-JP" altLang="en-US"/>
           </a:p>
@@ -1585,7 +1828,7 @@
           <a:p>
             <a:fld id="{5267B7B4-670A-4C51-BB37-0460E32ED6FD}" type="datetimeFigureOut">
               <a:rPr kumimoji="1" lang="ja-JP" altLang="en-US" smtClean="0"/>
-              <a:t>2016/11/12</a:t>
+              <a:t>2016/11/13</a:t>
             </a:fld>
             <a:endParaRPr kumimoji="1" lang="ja-JP" altLang="en-US"/>
           </a:p>
@@ -1967,7 +2210,7 @@
           <a:p>
             <a:fld id="{5267B7B4-670A-4C51-BB37-0460E32ED6FD}" type="datetimeFigureOut">
               <a:rPr kumimoji="1" lang="ja-JP" altLang="en-US" smtClean="0"/>
-              <a:t>2016/11/12</a:t>
+              <a:t>2016/11/13</a:t>
             </a:fld>
             <a:endParaRPr kumimoji="1" lang="ja-JP" altLang="en-US"/>
           </a:p>
@@ -2497,7 +2740,7 @@
           <a:p>
             <a:fld id="{5267B7B4-670A-4C51-BB37-0460E32ED6FD}" type="datetimeFigureOut">
               <a:rPr kumimoji="1" lang="ja-JP" altLang="en-US" smtClean="0"/>
-              <a:t>2016/11/12</a:t>
+              <a:t>2016/11/13</a:t>
             </a:fld>
             <a:endParaRPr kumimoji="1" lang="ja-JP" altLang="en-US"/>
           </a:p>
@@ -2645,7 +2888,7 @@
           <a:p>
             <a:fld id="{5267B7B4-670A-4C51-BB37-0460E32ED6FD}" type="datetimeFigureOut">
               <a:rPr kumimoji="1" lang="ja-JP" altLang="en-US" smtClean="0"/>
-              <a:t>2016/11/12</a:t>
+              <a:t>2016/11/13</a:t>
             </a:fld>
             <a:endParaRPr kumimoji="1" lang="ja-JP" altLang="en-US"/>
           </a:p>
@@ -2735,7 +2978,7 @@
           <a:p>
             <a:fld id="{5267B7B4-670A-4C51-BB37-0460E32ED6FD}" type="datetimeFigureOut">
               <a:rPr kumimoji="1" lang="ja-JP" altLang="en-US" smtClean="0"/>
-              <a:t>2016/11/12</a:t>
+              <a:t>2016/11/13</a:t>
             </a:fld>
             <a:endParaRPr kumimoji="1" lang="ja-JP" altLang="en-US"/>
           </a:p>
@@ -3041,7 +3284,7 @@
           <a:p>
             <a:fld id="{5267B7B4-670A-4C51-BB37-0460E32ED6FD}" type="datetimeFigureOut">
               <a:rPr kumimoji="1" lang="ja-JP" altLang="en-US" smtClean="0"/>
-              <a:t>2016/11/12</a:t>
+              <a:t>2016/11/13</a:t>
             </a:fld>
             <a:endParaRPr kumimoji="1" lang="ja-JP" altLang="en-US"/>
           </a:p>
@@ -3346,7 +3589,7 @@
           <a:p>
             <a:fld id="{5267B7B4-670A-4C51-BB37-0460E32ED6FD}" type="datetimeFigureOut">
               <a:rPr kumimoji="1" lang="ja-JP" altLang="en-US" smtClean="0"/>
-              <a:t>2016/11/12</a:t>
+              <a:t>2016/11/13</a:t>
             </a:fld>
             <a:endParaRPr kumimoji="1" lang="ja-JP" altLang="en-US"/>
           </a:p>
@@ -3676,7 +3919,7 @@
           <a:p>
             <a:fld id="{5267B7B4-670A-4C51-BB37-0460E32ED6FD}" type="datetimeFigureOut">
               <a:rPr kumimoji="1" lang="ja-JP" altLang="en-US" smtClean="0"/>
-              <a:t>2016/11/12</a:t>
+              <a:t>2016/11/13</a:t>
             </a:fld>
             <a:endParaRPr kumimoji="1" lang="ja-JP" altLang="en-US"/>
           </a:p>
@@ -4131,20 +4374,42 @@
           </a:bodyPr>
           <a:lstStyle/>
           <a:p>
-            <a:r>
-              <a:rPr kumimoji="1" lang="ja-JP" altLang="en-US" sz="3200" dirty="0" smtClean="0">
+            <a:pPr algn="r"/>
+            <a:r>
+              <a:rPr lang="ja-JP" altLang="en-US" sz="3200" dirty="0" smtClean="0">
                 <a:latin typeface="Times New Roman" panose="02020603050405020304" pitchFamily="18" charset="0"/>
                 <a:cs typeface="Times New Roman" panose="02020603050405020304" pitchFamily="18" charset="0"/>
               </a:rPr>
-              <a:t>福島コンピューターシステム（株）</a:t>
-            </a:r>
-            <a:endParaRPr kumimoji="1" lang="en-US" altLang="ja-JP" sz="3200" dirty="0" smtClean="0">
+              <a:t>福島コンピューターシステム</a:t>
+            </a:r>
+            <a:r>
+              <a:rPr lang="en-US" altLang="ja-JP" sz="3200" dirty="0" smtClean="0">
+                <a:latin typeface="Times New Roman" panose="02020603050405020304" pitchFamily="18" charset="0"/>
+                <a:cs typeface="Times New Roman" panose="02020603050405020304" pitchFamily="18" charset="0"/>
+              </a:rPr>
+              <a:t>(</a:t>
+            </a:r>
+            <a:r>
+              <a:rPr lang="ja-JP" altLang="en-US" sz="3200" dirty="0" smtClean="0">
+                <a:latin typeface="Times New Roman" panose="02020603050405020304" pitchFamily="18" charset="0"/>
+                <a:cs typeface="Times New Roman" panose="02020603050405020304" pitchFamily="18" charset="0"/>
+              </a:rPr>
+              <a:t>株）</a:t>
+            </a:r>
+            <a:endParaRPr lang="en-US" altLang="ja-JP" sz="3200" dirty="0">
               <a:latin typeface="Times New Roman" panose="02020603050405020304" pitchFamily="18" charset="0"/>
               <a:cs typeface="Times New Roman" panose="02020603050405020304" pitchFamily="18" charset="0"/>
             </a:endParaRPr>
           </a:p>
           <a:p>
             <a:pPr algn="r"/>
+            <a:r>
+              <a:rPr lang="en-US" altLang="ja-JP" sz="3200" dirty="0" smtClean="0">
+                <a:latin typeface="Times New Roman" panose="02020603050405020304" pitchFamily="18" charset="0"/>
+                <a:cs typeface="Times New Roman" panose="02020603050405020304" pitchFamily="18" charset="0"/>
+              </a:rPr>
+              <a:t> </a:t>
+            </a:r>
             <a:r>
               <a:rPr kumimoji="1" lang="ja-JP" altLang="en-US" sz="3200" dirty="0" smtClean="0">
                 <a:latin typeface="Times New Roman" panose="02020603050405020304" pitchFamily="18" charset="0"/>
@@ -5009,7 +5274,7 @@
           <p:nvPr/>
         </p:nvPicPr>
         <p:blipFill>
-          <a:blip r:embed="rId2">
+          <a:blip r:embed="rId3">
             <a:extLst>
               <a:ext uri="{28A0092B-C50C-407E-A947-70E740481C1C}">
                 <a14:useLocalDpi xmlns:a14="http://schemas.microsoft.com/office/drawing/2010/main" val="0"/>
@@ -5022,43 +5287,12 @@
         </p:blipFill>
         <p:spPr>
           <a:xfrm>
-            <a:off x="2359510" y="2180477"/>
+            <a:off x="2359510" y="1340768"/>
             <a:ext cx="2934462" cy="2270283"/>
           </a:xfrm>
           <a:prstGeom prst="rect">
             <a:avLst/>
           </a:prstGeom>
-        </p:spPr>
-      </p:pic>
-      <p:pic>
-        <p:nvPicPr>
-          <p:cNvPr id="6" name="図 5"/>
-          <p:cNvPicPr>
-            <a:picLocks noChangeAspect="1"/>
-          </p:cNvPicPr>
-          <p:nvPr/>
-        </p:nvPicPr>
-        <p:blipFill rotWithShape="1">
-          <a:blip r:embed="rId3"/>
-          <a:srcRect t="10648" b="5691"/>
-          <a:stretch/>
-        </p:blipFill>
-        <p:spPr>
-          <a:xfrm>
-            <a:off x="559310" y="2060848"/>
-            <a:ext cx="1391343" cy="2808312"/>
-          </a:xfrm>
-          <a:prstGeom prst="rect">
-            <a:avLst/>
-          </a:prstGeom>
-          <a:ln w="38100">
-            <a:solidFill>
-              <a:schemeClr val="accent1">
-                <a:lumMod val="60000"/>
-                <a:lumOff val="40000"/>
-              </a:schemeClr>
-            </a:solidFill>
-          </a:ln>
         </p:spPr>
       </p:pic>
       <p:pic>
@@ -5209,19 +5443,17 @@
       </p:pic>
       <p:cxnSp>
         <p:nvCxnSpPr>
-          <p:cNvPr id="11" name="カギ線コネクタ 10"/>
+          <p:cNvPr id="23" name="直線矢印コネクタ 22"/>
           <p:cNvCxnSpPr/>
           <p:nvPr/>
         </p:nvCxnSpPr>
         <p:spPr>
-          <a:xfrm flipV="1">
-            <a:off x="5293972" y="1556792"/>
-            <a:ext cx="953970" cy="1723521"/>
+          <a:xfrm rot="120000" flipV="1">
+            <a:off x="1454258" y="2508682"/>
+            <a:ext cx="905252" cy="36004"/>
           </a:xfrm>
-          <a:prstGeom prst="bentConnector3">
-            <a:avLst>
-              <a:gd name="adj1" fmla="val 50000"/>
-            </a:avLst>
+          <a:prstGeom prst="straightConnector1">
+            <a:avLst/>
           </a:prstGeom>
           <a:ln w="38100">
             <a:tailEnd type="triangle"/>
@@ -5242,6 +5474,30 @@
           </a:fontRef>
         </p:style>
       </p:cxnSp>
+      <p:pic>
+        <p:nvPicPr>
+          <p:cNvPr id="8" name="図 7"/>
+          <p:cNvPicPr>
+            <a:picLocks noChangeAspect="1"/>
+          </p:cNvPicPr>
+          <p:nvPr/>
+        </p:nvPicPr>
+        <p:blipFill>
+          <a:blip r:embed="rId7"/>
+          <a:stretch>
+            <a:fillRect/>
+          </a:stretch>
+        </p:blipFill>
+        <p:spPr>
+          <a:xfrm>
+            <a:off x="357621" y="1447246"/>
+            <a:ext cx="1501980" cy="4320000"/>
+          </a:xfrm>
+          <a:prstGeom prst="rect">
+            <a:avLst/>
+          </a:prstGeom>
+        </p:spPr>
+      </p:pic>
       <p:cxnSp>
         <p:nvCxnSpPr>
           <p:cNvPr id="17" name="直線矢印コネクタ 16"/>
@@ -5250,7 +5506,7 @@
         </p:nvCxnSpPr>
         <p:spPr>
           <a:xfrm flipV="1">
-            <a:off x="5293972" y="3271489"/>
+            <a:off x="5293972" y="1772816"/>
             <a:ext cx="809954" cy="3186"/>
           </a:xfrm>
           <a:prstGeom prst="straightConnector1">
@@ -5277,13 +5533,13 @@
       </p:cxnSp>
       <p:cxnSp>
         <p:nvCxnSpPr>
-          <p:cNvPr id="19" name="カギ線コネクタ 18"/>
+          <p:cNvPr id="20" name="カギ線コネクタ 19"/>
           <p:cNvCxnSpPr/>
           <p:nvPr/>
         </p:nvCxnSpPr>
         <p:spPr>
           <a:xfrm>
-            <a:off x="5293972" y="3274675"/>
+            <a:off x="5292080" y="1772816"/>
             <a:ext cx="736787" cy="1774141"/>
           </a:xfrm>
           <a:prstGeom prst="bentConnector3">
@@ -5312,16 +5568,14 @@
       </p:cxnSp>
       <p:cxnSp>
         <p:nvCxnSpPr>
-          <p:cNvPr id="23" name="直線矢印コネクタ 22"/>
-          <p:cNvCxnSpPr>
-            <a:stCxn id="6" idx="3"/>
-          </p:cNvCxnSpPr>
+          <p:cNvPr id="22" name="直線矢印コネクタ 21"/>
+          <p:cNvCxnSpPr/>
           <p:nvPr/>
         </p:nvCxnSpPr>
         <p:spPr>
-          <a:xfrm>
-            <a:off x="1950653" y="3465004"/>
-            <a:ext cx="408857" cy="0"/>
+          <a:xfrm rot="-60000">
+            <a:off x="1806358" y="5109369"/>
+            <a:ext cx="605379" cy="11840"/>
           </a:xfrm>
           <a:prstGeom prst="straightConnector1">
             <a:avLst/>
@@ -5345,6 +5599,80 @@
           </a:fontRef>
         </p:style>
       </p:cxnSp>
+      <p:cxnSp>
+        <p:nvCxnSpPr>
+          <p:cNvPr id="32" name="カギ線コネクタ 31"/>
+          <p:cNvCxnSpPr/>
+          <p:nvPr/>
+        </p:nvCxnSpPr>
+        <p:spPr>
+          <a:xfrm rot="16200000" flipH="1">
+            <a:off x="4315008" y="3386709"/>
+            <a:ext cx="3169226" cy="236876"/>
+          </a:xfrm>
+          <a:prstGeom prst="bentConnector2">
+            <a:avLst/>
+          </a:prstGeom>
+          <a:ln w="38100">
+            <a:tailEnd type="triangle"/>
+          </a:ln>
+        </p:spPr>
+        <p:style>
+          <a:lnRef idx="1">
+            <a:schemeClr val="accent1"/>
+          </a:lnRef>
+          <a:fillRef idx="0">
+            <a:schemeClr val="accent1"/>
+          </a:fillRef>
+          <a:effectRef idx="0">
+            <a:schemeClr val="accent1"/>
+          </a:effectRef>
+          <a:fontRef idx="minor">
+            <a:schemeClr val="tx1"/>
+          </a:fontRef>
+        </p:style>
+      </p:cxnSp>
+      <p:pic>
+        <p:nvPicPr>
+          <p:cNvPr id="1026" name="Picture 2" descr="http://blog-imgs-53.fc2.com/f/u/k/fukushimatsuu/CIMG7638.jpg"/>
+          <p:cNvPicPr>
+            <a:picLocks noChangeAspect="1" noChangeArrowheads="1"/>
+          </p:cNvPicPr>
+          <p:nvPr/>
+        </p:nvPicPr>
+        <p:blipFill>
+          <a:blip r:embed="rId8" cstate="print">
+            <a:extLst>
+              <a:ext uri="{28A0092B-C50C-407E-A947-70E740481C1C}">
+                <a14:useLocalDpi xmlns:a14="http://schemas.microsoft.com/office/drawing/2010/main" val="0"/>
+              </a:ext>
+            </a:extLst>
+          </a:blip>
+          <a:srcRect/>
+          <a:stretch>
+            <a:fillRect/>
+          </a:stretch>
+        </p:blipFill>
+        <p:spPr bwMode="auto">
+          <a:xfrm>
+            <a:off x="2559950" y="4026077"/>
+            <a:ext cx="2601048" cy="1950786"/>
+          </a:xfrm>
+          <a:prstGeom prst="rect">
+            <a:avLst/>
+          </a:prstGeom>
+          <a:noFill/>
+          <a:extLst>
+            <a:ext uri="{909E8E84-426E-40DD-AFC4-6F175D3DCCD1}">
+              <a14:hiddenFill xmlns:a14="http://schemas.microsoft.com/office/drawing/2010/main">
+                <a:solidFill>
+                  <a:srgbClr val="FFFFFF"/>
+                </a:solidFill>
+              </a14:hiddenFill>
+            </a:ext>
+          </a:extLst>
+        </p:spPr>
+      </p:pic>
     </p:spTree>
     <p:extLst>
       <p:ext uri="{BB962C8B-B14F-4D97-AF65-F5344CB8AC3E}">
@@ -5389,7 +5717,7 @@
                                           </p:stCondLst>
                                         </p:cTn>
                                         <p:tgtEl>
-                                          <p:spTgt spid="6"/>
+                                          <p:spTgt spid="4"/>
                                         </p:tgtEl>
                                         <p:attrNameLst>
                                           <p:attrName>style.visibility</p:attrName>
@@ -5403,7 +5731,7 @@
                                       <p:cBhvr>
                                         <p:cTn id="7" dur="500"/>
                                         <p:tgtEl>
-                                          <p:spTgt spid="6"/>
+                                          <p:spTgt spid="4"/>
                                         </p:tgtEl>
                                       </p:cBhvr>
                                     </p:animEffect>
@@ -5424,7 +5752,7 @@
                                           </p:stCondLst>
                                         </p:cTn>
                                         <p:tgtEl>
-                                          <p:spTgt spid="23"/>
+                                          <p:spTgt spid="1026"/>
                                         </p:tgtEl>
                                         <p:attrNameLst>
                                           <p:attrName>style.visibility</p:attrName>
@@ -5438,7 +5766,7 @@
                                       <p:cBhvr>
                                         <p:cTn id="10" dur="500"/>
                                         <p:tgtEl>
-                                          <p:spTgt spid="23"/>
+                                          <p:spTgt spid="1026"/>
                                         </p:tgtEl>
                                       </p:cBhvr>
                                     </p:animEffect>
@@ -5477,7 +5805,7 @@
                                           </p:stCondLst>
                                         </p:cTn>
                                         <p:tgtEl>
-                                          <p:spTgt spid="4"/>
+                                          <p:spTgt spid="17"/>
                                         </p:tgtEl>
                                         <p:attrNameLst>
                                           <p:attrName>style.visibility</p:attrName>
@@ -5491,76 +5819,22 @@
                                       <p:cBhvr>
                                         <p:cTn id="15" dur="500"/>
                                         <p:tgtEl>
-                                          <p:spTgt spid="4"/>
+                                          <p:spTgt spid="17"/>
                                         </p:tgtEl>
                                       </p:cBhvr>
                                     </p:animEffect>
                                   </p:childTnLst>
                                 </p:cTn>
                               </p:par>
-                            </p:childTnLst>
-                          </p:cTn>
-                        </p:par>
-                      </p:childTnLst>
-                    </p:cTn>
-                  </p:par>
-                  <p:par>
-                    <p:cTn id="16" fill="hold">
-                      <p:stCondLst>
-                        <p:cond delay="indefinite"/>
-                      </p:stCondLst>
-                      <p:childTnLst>
-                        <p:par>
-                          <p:cTn id="17" fill="hold">
-                            <p:stCondLst>
-                              <p:cond delay="0"/>
-                            </p:stCondLst>
-                            <p:childTnLst>
                               <p:par>
-                                <p:cTn id="18" presetID="1" presetClass="entr" presetSubtype="0" fill="hold" nodeType="clickEffect">
+                                <p:cTn id="16" presetID="10" presetClass="entr" presetSubtype="0" fill="hold" nodeType="withEffect">
                                   <p:stCondLst>
                                     <p:cond delay="0"/>
                                   </p:stCondLst>
                                   <p:childTnLst>
                                     <p:set>
                                       <p:cBhvr>
-                                        <p:cTn id="19" dur="1" fill="hold">
-                                          <p:stCondLst>
-                                            <p:cond delay="0"/>
-                                          </p:stCondLst>
-                                        </p:cTn>
-                                        <p:tgtEl>
-                                          <p:spTgt spid="11"/>
-                                        </p:tgtEl>
-                                        <p:attrNameLst>
-                                          <p:attrName>style.visibility</p:attrName>
-                                        </p:attrNameLst>
-                                      </p:cBhvr>
-                                      <p:to>
-                                        <p:strVal val="visible"/>
-                                      </p:to>
-                                    </p:set>
-                                  </p:childTnLst>
-                                </p:cTn>
-                              </p:par>
-                            </p:childTnLst>
-                          </p:cTn>
-                        </p:par>
-                        <p:par>
-                          <p:cTn id="20" fill="hold">
-                            <p:stCondLst>
-                              <p:cond delay="0"/>
-                            </p:stCondLst>
-                            <p:childTnLst>
-                              <p:par>
-                                <p:cTn id="21" presetID="1" presetClass="entr" presetSubtype="0" fill="hold" nodeType="afterEffect">
-                                  <p:stCondLst>
-                                    <p:cond delay="0"/>
-                                  </p:stCondLst>
-                                  <p:childTnLst>
-                                    <p:set>
-                                      <p:cBhvr>
-                                        <p:cTn id="22" dur="1" fill="hold">
+                                        <p:cTn id="17" dur="1" fill="hold">
                                           <p:stCondLst>
                                             <p:cond delay="0"/>
                                           </p:stCondLst>
@@ -5576,54 +5850,26 @@
                                         <p:strVal val="visible"/>
                                       </p:to>
                                     </p:set>
+                                    <p:animEffect transition="in" filter="fade">
+                                      <p:cBhvr>
+                                        <p:cTn id="18" dur="250"/>
+                                        <p:tgtEl>
+                                          <p:spTgt spid="7"/>
+                                        </p:tgtEl>
+                                      </p:cBhvr>
+                                    </p:animEffect>
                                   </p:childTnLst>
                                 </p:cTn>
                               </p:par>
-                            </p:childTnLst>
-                          </p:cTn>
-                        </p:par>
-                        <p:par>
-                          <p:cTn id="23" fill="hold">
-                            <p:stCondLst>
-                              <p:cond delay="0"/>
-                            </p:stCondLst>
-                            <p:childTnLst>
                               <p:par>
-                                <p:cTn id="24" presetID="1" presetClass="entr" presetSubtype="0" fill="hold" nodeType="afterEffect">
+                                <p:cTn id="19" presetID="10" presetClass="entr" presetSubtype="0" fill="hold" nodeType="withEffect">
                                   <p:stCondLst>
                                     <p:cond delay="500"/>
                                   </p:stCondLst>
                                   <p:childTnLst>
                                     <p:set>
                                       <p:cBhvr>
-                                        <p:cTn id="25" dur="1" fill="hold">
-                                          <p:stCondLst>
-                                            <p:cond delay="9"/>
-                                          </p:stCondLst>
-                                        </p:cTn>
-                                        <p:tgtEl>
-                                          <p:spTgt spid="17"/>
-                                        </p:tgtEl>
-                                        <p:attrNameLst>
-                                          <p:attrName>style.visibility</p:attrName>
-                                        </p:attrNameLst>
-                                      </p:cBhvr>
-                                      <p:to>
-                                        <p:strVal val="visible"/>
-                                      </p:to>
-                                    </p:set>
-                                  </p:childTnLst>
-                                </p:cTn>
-                              </p:par>
-                              <p:par>
-                                <p:cTn id="26" presetID="1" presetClass="entr" presetSubtype="0" fill="hold" nodeType="withEffect">
-                                  <p:stCondLst>
-                                    <p:cond delay="500"/>
-                                  </p:stCondLst>
-                                  <p:childTnLst>
-                                    <p:set>
-                                      <p:cBhvr>
-                                        <p:cTn id="27" dur="1" fill="hold">
+                                        <p:cTn id="20" dur="1" fill="hold">
                                           <p:stCondLst>
                                             <p:cond delay="0"/>
                                           </p:stCondLst>
@@ -5639,33 +5885,32 @@
                                         <p:strVal val="visible"/>
                                       </p:to>
                                     </p:set>
+                                    <p:animEffect transition="in" filter="fade">
+                                      <p:cBhvr>
+                                        <p:cTn id="21" dur="250"/>
+                                        <p:tgtEl>
+                                          <p:spTgt spid="2054"/>
+                                        </p:tgtEl>
+                                      </p:cBhvr>
+                                    </p:animEffect>
                                   </p:childTnLst>
                                 </p:cTn>
                               </p:par>
-                            </p:childTnLst>
-                          </p:cTn>
-                        </p:par>
-                        <p:par>
-                          <p:cTn id="28" fill="hold">
-                            <p:stCondLst>
-                              <p:cond delay="510"/>
-                            </p:stCondLst>
-                            <p:childTnLst>
                               <p:par>
-                                <p:cTn id="29" presetID="1" presetClass="entr" presetSubtype="0" fill="hold" nodeType="afterEffect">
+                                <p:cTn id="22" presetID="10" presetClass="entr" presetSubtype="0" fill="hold" nodeType="withEffect">
                                   <p:stCondLst>
-                                    <p:cond delay="490"/>
+                                    <p:cond delay="500"/>
                                   </p:stCondLst>
                                   <p:childTnLst>
                                     <p:set>
                                       <p:cBhvr>
-                                        <p:cTn id="30" dur="1" fill="hold">
+                                        <p:cTn id="23" dur="1" fill="hold">
                                           <p:stCondLst>
                                             <p:cond delay="0"/>
                                           </p:stCondLst>
                                         </p:cTn>
                                         <p:tgtEl>
-                                          <p:spTgt spid="19"/>
+                                          <p:spTgt spid="20"/>
                                         </p:tgtEl>
                                         <p:attrNameLst>
                                           <p:attrName>style.visibility</p:attrName>
@@ -5675,6 +5920,14 @@
                                         <p:strVal val="visible"/>
                                       </p:to>
                                     </p:set>
+                                    <p:animEffect transition="in" filter="fade">
+                                      <p:cBhvr>
+                                        <p:cTn id="24" dur="500"/>
+                                        <p:tgtEl>
+                                          <p:spTgt spid="20"/>
+                                        </p:tgtEl>
+                                      </p:cBhvr>
+                                    </p:animEffect>
                                   </p:childTnLst>
                                 </p:cTn>
                               </p:par>
@@ -5682,20 +5935,20 @@
                           </p:cTn>
                         </p:par>
                         <p:par>
-                          <p:cTn id="31" fill="hold">
+                          <p:cTn id="25" fill="hold">
                             <p:stCondLst>
                               <p:cond delay="1000"/>
                             </p:stCondLst>
                             <p:childTnLst>
                               <p:par>
-                                <p:cTn id="32" presetID="1" presetClass="entr" presetSubtype="0" fill="hold" nodeType="afterEffect">
+                                <p:cTn id="26" presetID="10" presetClass="entr" presetSubtype="0" fill="hold" nodeType="afterEffect">
                                   <p:stCondLst>
                                     <p:cond delay="0"/>
                                   </p:stCondLst>
                                   <p:childTnLst>
                                     <p:set>
                                       <p:cBhvr>
-                                        <p:cTn id="33" dur="1" fill="hold">
+                                        <p:cTn id="27" dur="1" fill="hold">
                                           <p:stCondLst>
                                             <p:cond delay="0"/>
                                           </p:stCondLst>
@@ -5711,6 +5964,49 @@
                                         <p:strVal val="visible"/>
                                       </p:to>
                                     </p:set>
+                                    <p:animEffect transition="in" filter="fade">
+                                      <p:cBhvr>
+                                        <p:cTn id="28" dur="250"/>
+                                        <p:tgtEl>
+                                          <p:spTgt spid="2056"/>
+                                        </p:tgtEl>
+                                      </p:cBhvr>
+                                    </p:animEffect>
+                                  </p:childTnLst>
+                                </p:cTn>
+                              </p:par>
+                              <p:par>
+                                <p:cTn id="29" presetID="10" presetClass="entr" presetSubtype="0" fill="hold" nodeType="withEffect">
+                                  <p:stCondLst>
+                                    <p:cond delay="0"/>
+                                  </p:stCondLst>
+                                  <p:childTnLst>
+                                    <p:set>
+                                      <p:cBhvr>
+                                        <p:cTn id="30" dur="1" fill="hold">
+                                          <p:stCondLst>
+                                            <p:cond delay="0"/>
+                                          </p:stCondLst>
+                                        </p:cTn>
+                                        <p:tgtEl>
+                                          <p:spTgt spid="32"/>
+                                        </p:tgtEl>
+                                        <p:attrNameLst>
+                                          <p:attrName>style.visibility</p:attrName>
+                                        </p:attrNameLst>
+                                      </p:cBhvr>
+                                      <p:to>
+                                        <p:strVal val="visible"/>
+                                      </p:to>
+                                    </p:set>
+                                    <p:animEffect transition="in" filter="fade">
+                                      <p:cBhvr>
+                                        <p:cTn id="31" dur="250"/>
+                                        <p:tgtEl>
+                                          <p:spTgt spid="32"/>
+                                        </p:tgtEl>
+                                      </p:cBhvr>
+                                    </p:animEffect>
                                   </p:childTnLst>
                                 </p:cTn>
                               </p:par>
@@ -5718,20 +6014,20 @@
                           </p:cTn>
                         </p:par>
                         <p:par>
-                          <p:cTn id="34" fill="hold">
+                          <p:cTn id="32" fill="hold">
                             <p:stCondLst>
-                              <p:cond delay="1000"/>
+                              <p:cond delay="1250"/>
                             </p:stCondLst>
                             <p:childTnLst>
                               <p:par>
-                                <p:cTn id="35" presetID="10" presetClass="entr" presetSubtype="0" fill="hold" grpId="0" nodeType="afterEffect">
+                                <p:cTn id="33" presetID="10" presetClass="entr" presetSubtype="0" fill="hold" grpId="0" nodeType="afterEffect">
                                   <p:stCondLst>
-                                    <p:cond delay="500"/>
+                                    <p:cond delay="250"/>
                                   </p:stCondLst>
                                   <p:childTnLst>
                                     <p:set>
                                       <p:cBhvr>
-                                        <p:cTn id="36" dur="1" fill="hold">
+                                        <p:cTn id="34" dur="1" fill="hold">
                                           <p:stCondLst>
                                             <p:cond delay="0"/>
                                           </p:stCondLst>
@@ -5749,7 +6045,7 @@
                                     </p:set>
                                     <p:animEffect transition="in" filter="fade">
                                       <p:cBhvr>
-                                        <p:cTn id="37" dur="500"/>
+                                        <p:cTn id="35" dur="250"/>
                                         <p:tgtEl>
                                           <p:spTgt spid="9"/>
                                         </p:tgtEl>
@@ -5874,7 +6170,7 @@
         </p:nvSpPr>
         <p:spPr>
           <a:xfrm>
-            <a:off x="1187624" y="2276872"/>
+            <a:off x="1187624" y="2649106"/>
             <a:ext cx="6768752" cy="707886"/>
           </a:xfrm>
           <a:prstGeom prst="rect">
@@ -6082,7 +6378,7 @@
           <p:nvPr>
             <p:extLst>
               <p:ext uri="{D42A27DB-BD31-4B8C-83A1-F6EECF244321}">
-                <p14:modId xmlns:p14="http://schemas.microsoft.com/office/powerpoint/2010/main" val="2763630340"/>
+                <p14:modId xmlns:p14="http://schemas.microsoft.com/office/powerpoint/2010/main" val="4217985066"/>
               </p:ext>
             </p:extLst>
           </p:nvPr>
@@ -6125,12 +6421,10 @@
                     </a:p>
                   </a:txBody>
                   <a:tcPr>
-                    <a:solidFill>
-                      <a:schemeClr val="accent1">
-                        <a:lumMod val="20000"/>
-                        <a:lumOff val="80000"/>
-                      </a:schemeClr>
-                    </a:solidFill>
+                    <a:blipFill>
+                      <a:blip r:embed="rId2"/>
+                      <a:tile tx="0" ty="0" sx="100000" sy="100000" flip="none" algn="tl"/>
+                    </a:blipFill>
                   </a:tcPr>
                 </a:tc>
                 <a:tc>
@@ -6155,12 +6449,10 @@
                     </a:p>
                   </a:txBody>
                   <a:tcPr>
-                    <a:solidFill>
-                      <a:schemeClr val="accent1">
-                        <a:lumMod val="20000"/>
-                        <a:lumOff val="80000"/>
-                      </a:schemeClr>
-                    </a:solidFill>
+                    <a:blipFill>
+                      <a:blip r:embed="rId2"/>
+                      <a:tile tx="0" ty="0" sx="100000" sy="100000" flip="none" algn="tl"/>
+                    </a:blipFill>
                   </a:tcPr>
                 </a:tc>
                 <a:tc>
@@ -6189,12 +6481,10 @@
                     </a:p>
                   </a:txBody>
                   <a:tcPr>
-                    <a:solidFill>
-                      <a:schemeClr val="accent1">
-                        <a:lumMod val="20000"/>
-                        <a:lumOff val="80000"/>
-                      </a:schemeClr>
-                    </a:solidFill>
+                    <a:blipFill>
+                      <a:blip r:embed="rId2"/>
+                      <a:tile tx="0" ty="0" sx="100000" sy="100000" flip="none" algn="tl"/>
+                    </a:blipFill>
                   </a:tcPr>
                 </a:tc>
               </a:tr>
@@ -6209,10 +6499,16 @@
                         <a:buChar char="l"/>
                       </a:pPr>
                       <a:r>
-                        <a:rPr kumimoji="1" lang="ja-JP" altLang="en-US" sz="2400" dirty="0" smtClean="0"/>
+                        <a:rPr kumimoji="1" lang="ja-JP" altLang="en-US" sz="2400" dirty="0" smtClean="0">
+                          <a:latin typeface="Times New Roman" panose="02020603050405020304" pitchFamily="18" charset="0"/>
+                          <a:cs typeface="Times New Roman" panose="02020603050405020304" pitchFamily="18" charset="0"/>
+                        </a:rPr>
                         <a:t>検索内容、方法を豊富にする。</a:t>
                       </a:r>
-                      <a:endParaRPr kumimoji="1" lang="en-US" altLang="ja-JP" sz="2400" dirty="0" smtClean="0"/>
+                      <a:endParaRPr kumimoji="1" lang="en-US" altLang="ja-JP" sz="2400" dirty="0" smtClean="0">
+                        <a:latin typeface="Times New Roman" panose="02020603050405020304" pitchFamily="18" charset="0"/>
+                        <a:cs typeface="Times New Roman" panose="02020603050405020304" pitchFamily="18" charset="0"/>
+                      </a:endParaRPr>
                     </a:p>
                     <a:p>
                       <a:pPr marL="342900" indent="-342900">
@@ -6220,10 +6516,23 @@
                         <a:buChar char="l"/>
                       </a:pPr>
                       <a:r>
-                        <a:rPr kumimoji="1" lang="ja-JP" altLang="en-US" sz="2400" dirty="0" smtClean="0"/>
-                        <a:t>独自アイコンを増量し、他の同じサービスと差別化。</a:t>
+                        <a:rPr kumimoji="1" lang="ja-JP" altLang="en-US" sz="2400" dirty="0" smtClean="0">
+                          <a:latin typeface="Times New Roman" panose="02020603050405020304" pitchFamily="18" charset="0"/>
+                          <a:cs typeface="Times New Roman" panose="02020603050405020304" pitchFamily="18" charset="0"/>
+                        </a:rPr>
+                        <a:t>独自アイコンを増量し、他の同じサービスと差別化</a:t>
                       </a:r>
-                      <a:endParaRPr kumimoji="1" lang="en-US" altLang="ja-JP" sz="2400" dirty="0" smtClean="0"/>
+                      <a:r>
+                        <a:rPr kumimoji="1" lang="ja-JP" altLang="en-US" sz="2400" dirty="0" smtClean="0">
+                          <a:latin typeface="Times New Roman" panose="02020603050405020304" pitchFamily="18" charset="0"/>
+                          <a:cs typeface="Times New Roman" panose="02020603050405020304" pitchFamily="18" charset="0"/>
+                        </a:rPr>
+                        <a:t>。</a:t>
+                      </a:r>
+                      <a:endParaRPr kumimoji="1" lang="en-US" altLang="ja-JP" sz="2400" dirty="0" smtClean="0">
+                        <a:latin typeface="Times New Roman" panose="02020603050405020304" pitchFamily="18" charset="0"/>
+                        <a:cs typeface="Times New Roman" panose="02020603050405020304" pitchFamily="18" charset="0"/>
+                      </a:endParaRPr>
                     </a:p>
                     <a:p>
                       <a:pPr marL="342900" indent="-342900">
@@ -6231,30 +6540,37 @@
                         <a:buChar char="l"/>
                       </a:pPr>
                       <a:r>
-                        <a:rPr kumimoji="1" lang="ja-JP" altLang="en-US" sz="2400" dirty="0" smtClean="0"/>
-                        <a:t>表示分類を多様に。</a:t>
+                        <a:rPr kumimoji="1" lang="ja-JP" altLang="en-US" sz="2400" dirty="0" smtClean="0">
+                          <a:latin typeface="Times New Roman" panose="02020603050405020304" pitchFamily="18" charset="0"/>
+                          <a:cs typeface="Times New Roman" panose="02020603050405020304" pitchFamily="18" charset="0"/>
+                        </a:rPr>
+                        <a:t>アクセス管理を行い、開催</a:t>
                       </a:r>
-                      <a:endParaRPr kumimoji="1" lang="en-US" altLang="ja-JP" sz="2400" dirty="0" smtClean="0"/>
-                    </a:p>
-                    <a:p>
-                      <a:pPr marL="342900" indent="-342900">
-                        <a:buFont typeface="Wingdings" panose="05000000000000000000" pitchFamily="2" charset="2"/>
-                        <a:buChar char="l"/>
-                      </a:pPr>
                       <a:r>
-                        <a:rPr kumimoji="1" lang="ja-JP" altLang="en-US" sz="2400" dirty="0" smtClean="0"/>
-                        <a:t>開催したいイベントを登録できる</a:t>
+                        <a:rPr kumimoji="1" lang="ja-JP" altLang="en-US" sz="2400" dirty="0" smtClean="0">
+                          <a:latin typeface="Times New Roman" panose="02020603050405020304" pitchFamily="18" charset="0"/>
+                          <a:cs typeface="Times New Roman" panose="02020603050405020304" pitchFamily="18" charset="0"/>
+                        </a:rPr>
+                        <a:t>したいイベントを登録</a:t>
                       </a:r>
-                      <a:endParaRPr kumimoji="1" lang="en-US" altLang="ja-JP" sz="2400" dirty="0" smtClean="0"/>
+                      <a:r>
+                        <a:rPr kumimoji="1" lang="ja-JP" altLang="en-US" sz="2400" dirty="0" smtClean="0">
+                          <a:latin typeface="Times New Roman" panose="02020603050405020304" pitchFamily="18" charset="0"/>
+                          <a:cs typeface="Times New Roman" panose="02020603050405020304" pitchFamily="18" charset="0"/>
+                        </a:rPr>
+                        <a:t>できる。</a:t>
+                      </a:r>
+                      <a:endParaRPr kumimoji="1" lang="en-US" altLang="ja-JP" sz="2400" dirty="0" smtClean="0">
+                        <a:latin typeface="Times New Roman" panose="02020603050405020304" pitchFamily="18" charset="0"/>
+                        <a:cs typeface="Times New Roman" panose="02020603050405020304" pitchFamily="18" charset="0"/>
+                      </a:endParaRPr>
                     </a:p>
                   </a:txBody>
                   <a:tcPr>
-                    <a:solidFill>
-                      <a:schemeClr val="accent1">
-                        <a:lumMod val="20000"/>
-                        <a:lumOff val="80000"/>
-                      </a:schemeClr>
-                    </a:solidFill>
+                    <a:blipFill>
+                      <a:blip r:embed="rId2"/>
+                      <a:tile tx="0" ty="0" sx="100000" sy="100000" flip="none" algn="tl"/>
+                    </a:blipFill>
                   </a:tcPr>
                 </a:tc>
                 <a:tc>
@@ -6267,10 +6583,16 @@
                         <a:buChar char="l"/>
                       </a:pPr>
                       <a:r>
-                        <a:rPr kumimoji="1" lang="ja-JP" altLang="en-US" sz="2400" dirty="0" smtClean="0"/>
+                        <a:rPr kumimoji="1" lang="ja-JP" altLang="en-US" sz="2400" dirty="0" smtClean="0">
+                          <a:latin typeface="Times New Roman" panose="02020603050405020304" pitchFamily="18" charset="0"/>
+                          <a:cs typeface="Times New Roman" panose="02020603050405020304" pitchFamily="18" charset="0"/>
+                        </a:rPr>
                         <a:t>アクセス方法を公共交通機関、タクシーなど様々なタイプに対応。</a:t>
                       </a:r>
-                      <a:endParaRPr kumimoji="1" lang="en-US" altLang="ja-JP" sz="2400" dirty="0" smtClean="0"/>
+                      <a:endParaRPr kumimoji="1" lang="en-US" altLang="ja-JP" sz="2400" dirty="0" smtClean="0">
+                        <a:latin typeface="Times New Roman" panose="02020603050405020304" pitchFamily="18" charset="0"/>
+                        <a:cs typeface="Times New Roman" panose="02020603050405020304" pitchFamily="18" charset="0"/>
+                      </a:endParaRPr>
                     </a:p>
                     <a:p>
                       <a:pPr marL="342900" indent="-342900">
@@ -6278,18 +6600,37 @@
                         <a:buChar char="l"/>
                       </a:pPr>
                       <a:r>
-                        <a:rPr kumimoji="1" lang="ja-JP" altLang="en-US" sz="2400" dirty="0" smtClean="0"/>
-                        <a:t>実際のイベント、様子を</a:t>
+                        <a:rPr kumimoji="1" lang="ja-JP" altLang="en-US" sz="2400" dirty="0" smtClean="0">
+                          <a:latin typeface="Times New Roman" panose="02020603050405020304" pitchFamily="18" charset="0"/>
+                          <a:cs typeface="Times New Roman" panose="02020603050405020304" pitchFamily="18" charset="0"/>
+                        </a:rPr>
+                        <a:t>実際のイベント</a:t>
                       </a:r>
                       <a:r>
-                        <a:rPr kumimoji="1" lang="en-US" altLang="ja-JP" sz="2400" dirty="0" smtClean="0"/>
+                        <a:rPr kumimoji="1" lang="ja-JP" altLang="en-US" sz="2400" dirty="0" smtClean="0">
+                          <a:latin typeface="Times New Roman" panose="02020603050405020304" pitchFamily="18" charset="0"/>
+                          <a:cs typeface="Times New Roman" panose="02020603050405020304" pitchFamily="18" charset="0"/>
+                        </a:rPr>
+                        <a:t>、施設の外観等を</a:t>
+                      </a:r>
+                      <a:r>
+                        <a:rPr kumimoji="1" lang="en-US" altLang="ja-JP" sz="2400" dirty="0" smtClean="0">
+                          <a:latin typeface="Times New Roman" panose="02020603050405020304" pitchFamily="18" charset="0"/>
+                          <a:cs typeface="Times New Roman" panose="02020603050405020304" pitchFamily="18" charset="0"/>
+                        </a:rPr>
                         <a:t>360°</a:t>
                       </a:r>
                       <a:r>
-                        <a:rPr kumimoji="1" lang="ja-JP" altLang="en-US" sz="2400" dirty="0" smtClean="0"/>
+                        <a:rPr kumimoji="1" lang="ja-JP" altLang="en-US" sz="2400" dirty="0" smtClean="0">
+                          <a:latin typeface="Times New Roman" panose="02020603050405020304" pitchFamily="18" charset="0"/>
+                          <a:cs typeface="Times New Roman" panose="02020603050405020304" pitchFamily="18" charset="0"/>
+                        </a:rPr>
                         <a:t>カメラなどを使用して直感的に。</a:t>
                       </a:r>
-                      <a:endParaRPr kumimoji="1" lang="en-US" altLang="ja-JP" sz="2400" dirty="0" smtClean="0"/>
+                      <a:endParaRPr kumimoji="1" lang="en-US" altLang="ja-JP" sz="2400" dirty="0" smtClean="0">
+                        <a:latin typeface="Times New Roman" panose="02020603050405020304" pitchFamily="18" charset="0"/>
+                        <a:cs typeface="Times New Roman" panose="02020603050405020304" pitchFamily="18" charset="0"/>
+                      </a:endParaRPr>
                     </a:p>
                     <a:p>
                       <a:pPr marL="342900" indent="-342900">
@@ -6297,19 +6638,23 @@
                         <a:buChar char="l"/>
                       </a:pPr>
                       <a:r>
-                        <a:rPr kumimoji="1" lang="ja-JP" altLang="en-US" sz="2400" dirty="0" smtClean="0"/>
+                        <a:rPr kumimoji="1" lang="ja-JP" altLang="en-US" sz="2400" dirty="0" smtClean="0">
+                          <a:latin typeface="Times New Roman" panose="02020603050405020304" pitchFamily="18" charset="0"/>
+                          <a:cs typeface="Times New Roman" panose="02020603050405020304" pitchFamily="18" charset="0"/>
+                        </a:rPr>
                         <a:t>多言語化対応</a:t>
                       </a:r>
-                      <a:endParaRPr kumimoji="1" lang="ja-JP" altLang="en-US" sz="2400" dirty="0"/>
+                      <a:endParaRPr kumimoji="1" lang="ja-JP" altLang="en-US" sz="2400" dirty="0">
+                        <a:latin typeface="Times New Roman" panose="02020603050405020304" pitchFamily="18" charset="0"/>
+                        <a:cs typeface="Times New Roman" panose="02020603050405020304" pitchFamily="18" charset="0"/>
+                      </a:endParaRPr>
                     </a:p>
                   </a:txBody>
                   <a:tcPr>
-                    <a:solidFill>
-                      <a:schemeClr val="accent1">
-                        <a:lumMod val="20000"/>
-                        <a:lumOff val="80000"/>
-                      </a:schemeClr>
-                    </a:solidFill>
+                    <a:blipFill>
+                      <a:blip r:embed="rId2"/>
+                      <a:tile tx="0" ty="0" sx="100000" sy="100000" flip="none" algn="tl"/>
+                    </a:blipFill>
                   </a:tcPr>
                 </a:tc>
                 <a:tc>
@@ -6322,19 +6667,57 @@
                         <a:buChar char="l"/>
                       </a:pPr>
                       <a:r>
-                        <a:rPr kumimoji="1" lang="ja-JP" altLang="en-US" sz="2400" dirty="0" smtClean="0"/>
-                        <a:t>スマホにも対応し、主要駅に同サービスを提供するペッパーを配置、宿泊業や交通業と連携し、利用者にクーポン配信。</a:t>
+                        <a:rPr kumimoji="1" lang="ja-JP" altLang="en-US" sz="2400" dirty="0" smtClean="0">
+                          <a:latin typeface="Times New Roman" panose="02020603050405020304" pitchFamily="18" charset="0"/>
+                          <a:cs typeface="Times New Roman" panose="02020603050405020304" pitchFamily="18" charset="0"/>
+                        </a:rPr>
+                        <a:t>スマホにも対応し、主要駅に同サービスを提供するペッパーを配置、宿泊業や交通業と連携し、利用者にクーポン配信</a:t>
                       </a:r>
-                      <a:endParaRPr kumimoji="1" lang="en-US" altLang="ja-JP" sz="2400" dirty="0" smtClean="0"/>
+                      <a:r>
+                        <a:rPr kumimoji="1" lang="ja-JP" altLang="en-US" sz="2400" dirty="0" smtClean="0">
+                          <a:latin typeface="Times New Roman" panose="02020603050405020304" pitchFamily="18" charset="0"/>
+                          <a:cs typeface="Times New Roman" panose="02020603050405020304" pitchFamily="18" charset="0"/>
+                        </a:rPr>
+                        <a:t>。</a:t>
+                      </a:r>
+                      <a:endParaRPr kumimoji="1" lang="en-US" altLang="ja-JP" sz="2400" dirty="0" smtClean="0">
+                        <a:latin typeface="Times New Roman" panose="02020603050405020304" pitchFamily="18" charset="0"/>
+                        <a:cs typeface="Times New Roman" panose="02020603050405020304" pitchFamily="18" charset="0"/>
+                      </a:endParaRPr>
+                    </a:p>
+                    <a:p>
+                      <a:pPr marL="342900" indent="-342900">
+                        <a:buFont typeface="Wingdings" panose="05000000000000000000" pitchFamily="2" charset="2"/>
+                        <a:buChar char="l"/>
+                      </a:pPr>
+                      <a:r>
+                        <a:rPr kumimoji="1" lang="ja-JP" altLang="en-US" sz="2400" dirty="0" smtClean="0">
+                          <a:latin typeface="Times New Roman" panose="02020603050405020304" pitchFamily="18" charset="0"/>
+                          <a:cs typeface="Times New Roman" panose="02020603050405020304" pitchFamily="18" charset="0"/>
+                        </a:rPr>
+                        <a:t>画像のオープンデータを使用し、汎用性の向上。</a:t>
+                      </a:r>
+                      <a:endParaRPr kumimoji="1" lang="en-US" altLang="ja-JP" sz="2400" dirty="0" smtClean="0">
+                        <a:latin typeface="Times New Roman" panose="02020603050405020304" pitchFamily="18" charset="0"/>
+                        <a:cs typeface="Times New Roman" panose="02020603050405020304" pitchFamily="18" charset="0"/>
+                      </a:endParaRPr>
+                    </a:p>
+                    <a:p>
+                      <a:pPr marL="0" indent="0">
+                        <a:buFont typeface="Wingdings" panose="05000000000000000000" pitchFamily="2" charset="2"/>
+                        <a:buNone/>
+                      </a:pPr>
+                      <a:endParaRPr kumimoji="1" lang="en-US" altLang="ja-JP" sz="2400" dirty="0" smtClean="0">
+                        <a:latin typeface="Times New Roman" panose="02020603050405020304" pitchFamily="18" charset="0"/>
+                        <a:cs typeface="Times New Roman" panose="02020603050405020304" pitchFamily="18" charset="0"/>
+                      </a:endParaRPr>
                     </a:p>
                   </a:txBody>
                   <a:tcPr>
-                    <a:solidFill>
-                      <a:schemeClr val="accent1">
-                        <a:lumMod val="20000"/>
-                        <a:lumOff val="80000"/>
-                      </a:schemeClr>
-                    </a:solidFill>
+                    <a:blipFill>
+                      <a:blip r:embed="rId2"/>
+                      <a:tile tx="0" ty="0" sx="100000" sy="100000" flip="none" algn="tl"/>
+                    </a:blipFill>
                   </a:tcPr>
                 </a:tc>
               </a:tr>
@@ -6547,6 +6930,51 @@
   <p:clrMapOvr>
     <a:masterClrMapping/>
   </p:clrMapOvr>
+  <p:timing>
+    <p:tnLst>
+      <p:par>
+        <p:cTn id="1" dur="indefinite" restart="never" nodeType="tmRoot"/>
+      </p:par>
+    </p:tnLst>
+  </p:timing>
+</p:sld>
+</file>
+
+<file path=ppt/slides/slide7.xml><?xml version="1.0" encoding="utf-8"?>
+<p:sld xmlns:a="http://schemas.openxmlformats.org/drawingml/2006/main" xmlns:r="http://schemas.openxmlformats.org/officeDocument/2006/relationships" xmlns:p="http://schemas.openxmlformats.org/presentationml/2006/main" show="0">
+  <p:cSld>
+    <p:spTree>
+      <p:nvGrpSpPr>
+        <p:cNvPr id="1" name=""/>
+        <p:cNvGrpSpPr/>
+        <p:nvPr/>
+      </p:nvGrpSpPr>
+      <p:grpSpPr>
+        <a:xfrm>
+          <a:off x="0" y="0"/>
+          <a:ext cx="0" cy="0"/>
+          <a:chOff x="0" y="0"/>
+          <a:chExt cx="0" cy="0"/>
+        </a:xfrm>
+      </p:grpSpPr>
+    </p:spTree>
+    <p:extLst>
+      <p:ext uri="{BB962C8B-B14F-4D97-AF65-F5344CB8AC3E}">
+        <p14:creationId xmlns:p14="http://schemas.microsoft.com/office/powerpoint/2010/main" val="2160600726"/>
+      </p:ext>
+    </p:extLst>
+  </p:cSld>
+  <p:clrMapOvr>
+    <a:masterClrMapping/>
+  </p:clrMapOvr>
+  <mc:AlternateContent xmlns:mc="http://schemas.openxmlformats.org/markup-compatibility/2006">
+    <mc:Choice xmlns:p14="http://schemas.microsoft.com/office/powerpoint/2010/main" Requires="p14">
+      <p:transition spd="slow" p14:dur="2000"/>
+    </mc:Choice>
+    <mc:Fallback>
+      <p:transition spd="slow"/>
+    </mc:Fallback>
+  </mc:AlternateContent>
   <p:timing>
     <p:tnLst>
       <p:par>

--- a/ハッカソン発表.pptx
+++ b/ハッカソン発表.pptx
@@ -4324,7 +4324,7 @@
         </p:nvSpPr>
         <p:spPr>
           <a:xfrm>
-            <a:off x="2555776" y="1796623"/>
+            <a:off x="2555776" y="1484784"/>
             <a:ext cx="4032448" cy="1200329"/>
           </a:xfrm>
           <a:prstGeom prst="rect">
@@ -4338,6 +4338,7 @@
           </a:bodyPr>
           <a:lstStyle/>
           <a:p>
+            <a:pPr algn="ctr"/>
             <a:r>
               <a:rPr kumimoji="1" lang="ja-JP" altLang="en-US" sz="7200" dirty="0" smtClean="0">
                 <a:latin typeface="+mj-ea"/>
@@ -4345,7 +4346,7 @@
               </a:rPr>
               <a:t>成果発表</a:t>
             </a:r>
-            <a:endParaRPr kumimoji="1" lang="ja-JP" altLang="en-US" sz="7200" dirty="0">
+            <a:endParaRPr kumimoji="1" lang="en-US" altLang="ja-JP" sz="7200" dirty="0" smtClean="0">
               <a:latin typeface="+mj-ea"/>
               <a:ea typeface="+mj-ea"/>
             </a:endParaRPr>
@@ -4360,7 +4361,7 @@
         </p:nvSpPr>
         <p:spPr>
           <a:xfrm>
-            <a:off x="3008028" y="5003216"/>
+            <a:off x="3008028" y="5232102"/>
             <a:ext cx="5760640" cy="1077218"/>
           </a:xfrm>
           <a:prstGeom prst="rect">
@@ -4425,6 +4426,57 @@
               <a:t>2</a:t>
             </a:r>
             <a:endParaRPr kumimoji="1" lang="ja-JP" altLang="en-US" sz="3200" dirty="0">
+              <a:latin typeface="Times New Roman" panose="02020603050405020304" pitchFamily="18" charset="0"/>
+              <a:cs typeface="Times New Roman" panose="02020603050405020304" pitchFamily="18" charset="0"/>
+            </a:endParaRPr>
+          </a:p>
+        </p:txBody>
+      </p:sp>
+      <p:sp>
+        <p:nvSpPr>
+          <p:cNvPr id="5" name="テキスト ボックス 4"/>
+          <p:cNvSpPr txBox="1"/>
+          <p:nvPr/>
+        </p:nvSpPr>
+        <p:spPr>
+          <a:xfrm>
+            <a:off x="1912755" y="3473713"/>
+            <a:ext cx="5318490" cy="1323439"/>
+          </a:xfrm>
+          <a:prstGeom prst="rect">
+            <a:avLst/>
+          </a:prstGeom>
+          <a:noFill/>
+        </p:spPr>
+        <p:txBody>
+          <a:bodyPr wrap="square" rtlCol="0">
+            <a:spAutoFit/>
+          </a:bodyPr>
+          <a:lstStyle/>
+          <a:p>
+            <a:pPr algn="ctr"/>
+            <a:r>
+              <a:rPr lang="ja-JP" altLang="en-US" sz="8000" dirty="0">
+                <a:latin typeface="Times New Roman" panose="02020603050405020304" pitchFamily="18" charset="0"/>
+                <a:cs typeface="Times New Roman" panose="02020603050405020304" pitchFamily="18" charset="0"/>
+              </a:rPr>
+              <a:t>♰</a:t>
+            </a:r>
+            <a:r>
+              <a:rPr lang="en-US" altLang="ja-JP" sz="8000" dirty="0" err="1" smtClean="0">
+                <a:latin typeface="Times New Roman" panose="02020603050405020304" pitchFamily="18" charset="0"/>
+                <a:cs typeface="Times New Roman" panose="02020603050405020304" pitchFamily="18" charset="0"/>
+              </a:rPr>
+              <a:t>Eventire</a:t>
+            </a:r>
+            <a:r>
+              <a:rPr lang="ja-JP" altLang="en-US" sz="8000" dirty="0" smtClean="0">
+                <a:latin typeface="Times New Roman" panose="02020603050405020304" pitchFamily="18" charset="0"/>
+                <a:cs typeface="Times New Roman" panose="02020603050405020304" pitchFamily="18" charset="0"/>
+              </a:rPr>
+              <a:t>♰</a:t>
+            </a:r>
+            <a:endParaRPr lang="ja-JP" altLang="en-US" sz="8000" dirty="0">
               <a:latin typeface="Times New Roman" panose="02020603050405020304" pitchFamily="18" charset="0"/>
               <a:cs typeface="Times New Roman" panose="02020603050405020304" pitchFamily="18" charset="0"/>
             </a:endParaRPr>
@@ -6378,7 +6430,7 @@
           <p:nvPr>
             <p:extLst>
               <p:ext uri="{D42A27DB-BD31-4B8C-83A1-F6EECF244321}">
-                <p14:modId xmlns:p14="http://schemas.microsoft.com/office/powerpoint/2010/main" val="4217985066"/>
+                <p14:modId xmlns:p14="http://schemas.microsoft.com/office/powerpoint/2010/main" val="1221306605"/>
               </p:ext>
             </p:extLst>
           </p:nvPr>
@@ -6520,14 +6572,7 @@
                           <a:latin typeface="Times New Roman" panose="02020603050405020304" pitchFamily="18" charset="0"/>
                           <a:cs typeface="Times New Roman" panose="02020603050405020304" pitchFamily="18" charset="0"/>
                         </a:rPr>
-                        <a:t>独自アイコンを増量し、他の同じサービスと差別化</a:t>
-                      </a:r>
-                      <a:r>
-                        <a:rPr kumimoji="1" lang="ja-JP" altLang="en-US" sz="2400" dirty="0" smtClean="0">
-                          <a:latin typeface="Times New Roman" panose="02020603050405020304" pitchFamily="18" charset="0"/>
-                          <a:cs typeface="Times New Roman" panose="02020603050405020304" pitchFamily="18" charset="0"/>
-                        </a:rPr>
-                        <a:t>。</a:t>
+                        <a:t>独自アイコンを増量し、他の同じサービスと差別化。</a:t>
                       </a:r>
                       <a:endParaRPr kumimoji="1" lang="en-US" altLang="ja-JP" sz="2400" dirty="0" smtClean="0">
                         <a:latin typeface="Times New Roman" panose="02020603050405020304" pitchFamily="18" charset="0"/>
@@ -6544,21 +6589,7 @@
                           <a:latin typeface="Times New Roman" panose="02020603050405020304" pitchFamily="18" charset="0"/>
                           <a:cs typeface="Times New Roman" panose="02020603050405020304" pitchFamily="18" charset="0"/>
                         </a:rPr>
-                        <a:t>アクセス管理を行い、開催</a:t>
-                      </a:r>
-                      <a:r>
-                        <a:rPr kumimoji="1" lang="ja-JP" altLang="en-US" sz="2400" dirty="0" smtClean="0">
-                          <a:latin typeface="Times New Roman" panose="02020603050405020304" pitchFamily="18" charset="0"/>
-                          <a:cs typeface="Times New Roman" panose="02020603050405020304" pitchFamily="18" charset="0"/>
-                        </a:rPr>
-                        <a:t>したいイベントを登録</a:t>
-                      </a:r>
-                      <a:r>
-                        <a:rPr kumimoji="1" lang="ja-JP" altLang="en-US" sz="2400" dirty="0" smtClean="0">
-                          <a:latin typeface="Times New Roman" panose="02020603050405020304" pitchFamily="18" charset="0"/>
-                          <a:cs typeface="Times New Roman" panose="02020603050405020304" pitchFamily="18" charset="0"/>
-                        </a:rPr>
-                        <a:t>できる。</a:t>
+                        <a:t>アクセス管理を行い、開催したいイベントを登録できる。</a:t>
                       </a:r>
                       <a:endParaRPr kumimoji="1" lang="en-US" altLang="ja-JP" sz="2400" dirty="0" smtClean="0">
                         <a:latin typeface="Times New Roman" panose="02020603050405020304" pitchFamily="18" charset="0"/>
@@ -6604,14 +6635,7 @@
                           <a:latin typeface="Times New Roman" panose="02020603050405020304" pitchFamily="18" charset="0"/>
                           <a:cs typeface="Times New Roman" panose="02020603050405020304" pitchFamily="18" charset="0"/>
                         </a:rPr>
-                        <a:t>実際のイベント</a:t>
-                      </a:r>
-                      <a:r>
-                        <a:rPr kumimoji="1" lang="ja-JP" altLang="en-US" sz="2400" dirty="0" smtClean="0">
-                          <a:latin typeface="Times New Roman" panose="02020603050405020304" pitchFamily="18" charset="0"/>
-                          <a:cs typeface="Times New Roman" panose="02020603050405020304" pitchFamily="18" charset="0"/>
-                        </a:rPr>
-                        <a:t>、施設の外観等を</a:t>
+                        <a:t>実際のイベント、施設の外観等を</a:t>
                       </a:r>
                       <a:r>
                         <a:rPr kumimoji="1" lang="en-US" altLang="ja-JP" sz="2400" dirty="0" smtClean="0">
@@ -6671,14 +6695,7 @@
                           <a:latin typeface="Times New Roman" panose="02020603050405020304" pitchFamily="18" charset="0"/>
                           <a:cs typeface="Times New Roman" panose="02020603050405020304" pitchFamily="18" charset="0"/>
                         </a:rPr>
-                        <a:t>スマホにも対応し、主要駅に同サービスを提供するペッパーを配置、宿泊業や交通業と連携し、利用者にクーポン配信</a:t>
-                      </a:r>
-                      <a:r>
-                        <a:rPr kumimoji="1" lang="ja-JP" altLang="en-US" sz="2400" dirty="0" smtClean="0">
-                          <a:latin typeface="Times New Roman" panose="02020603050405020304" pitchFamily="18" charset="0"/>
-                          <a:cs typeface="Times New Roman" panose="02020603050405020304" pitchFamily="18" charset="0"/>
-                        </a:rPr>
-                        <a:t>。</a:t>
+                        <a:t>スマホにも対応し、主要駅に同サービスを提供するペッパーを配置、宿泊業や交通業と連携し、利用者にクーポン配信。</a:t>
                       </a:r>
                       <a:endParaRPr kumimoji="1" lang="en-US" altLang="ja-JP" sz="2400" dirty="0" smtClean="0">
                         <a:latin typeface="Times New Roman" panose="02020603050405020304" pitchFamily="18" charset="0"/>
@@ -6695,7 +6712,14 @@
                           <a:latin typeface="Times New Roman" panose="02020603050405020304" pitchFamily="18" charset="0"/>
                           <a:cs typeface="Times New Roman" panose="02020603050405020304" pitchFamily="18" charset="0"/>
                         </a:rPr>
-                        <a:t>画像のオープンデータを使用し、汎用性の向上。</a:t>
+                        <a:t>画像のオープンデータを使用し</a:t>
+                      </a:r>
+                      <a:r>
+                        <a:rPr kumimoji="1" lang="ja-JP" altLang="en-US" sz="2400" dirty="0" smtClean="0">
+                          <a:latin typeface="Times New Roman" panose="02020603050405020304" pitchFamily="18" charset="0"/>
+                          <a:cs typeface="Times New Roman" panose="02020603050405020304" pitchFamily="18" charset="0"/>
+                        </a:rPr>
+                        <a:t>、見やすさの向上。</a:t>
                       </a:r>
                       <a:endParaRPr kumimoji="1" lang="en-US" altLang="ja-JP" sz="2400" dirty="0" smtClean="0">
                         <a:latin typeface="Times New Roman" panose="02020603050405020304" pitchFamily="18" charset="0"/>
@@ -6967,11 +6991,11 @@
   <p:clrMapOvr>
     <a:masterClrMapping/>
   </p:clrMapOvr>
-  <mc:AlternateContent xmlns:mc="http://schemas.openxmlformats.org/markup-compatibility/2006">
-    <mc:Choice xmlns:p14="http://schemas.microsoft.com/office/powerpoint/2010/main" Requires="p14">
+  <mc:AlternateContent xmlns:mc="http://schemas.openxmlformats.org/markup-compatibility/2006" xmlns:p14="http://schemas.microsoft.com/office/powerpoint/2010/main">
+    <mc:Choice Requires="p14">
       <p:transition spd="slow" p14:dur="2000"/>
     </mc:Choice>
-    <mc:Fallback>
+    <mc:Fallback xmlns="">
       <p:transition spd="slow"/>
     </mc:Fallback>
   </mc:AlternateContent>
